--- a/slides/iteration_with_purrr_version_02_present_swb.pptx
+++ b/slides/iteration_with_purrr_version_02_present_swb.pptx
@@ -5,7 +5,7 @@
     <p:sldMasterId id="2147483648" r:id="rId1"/>
   </p:sldMasterIdLst>
   <p:notesMasterIdLst>
-    <p:notesMasterId r:id="rId19"/>
+    <p:notesMasterId r:id="rId20"/>
   </p:notesMasterIdLst>
   <p:sldIdLst>
     <p:sldId id="256" r:id="rId2"/>
@@ -21,10 +21,11 @@
     <p:sldId id="277" r:id="rId12"/>
     <p:sldId id="278" r:id="rId13"/>
     <p:sldId id="279" r:id="rId14"/>
-    <p:sldId id="280" r:id="rId15"/>
-    <p:sldId id="281" r:id="rId16"/>
-    <p:sldId id="265" r:id="rId17"/>
-    <p:sldId id="267" r:id="rId18"/>
+    <p:sldId id="282" r:id="rId15"/>
+    <p:sldId id="280" r:id="rId16"/>
+    <p:sldId id="281" r:id="rId17"/>
+    <p:sldId id="265" r:id="rId18"/>
+    <p:sldId id="267" r:id="rId19"/>
   </p:sldIdLst>
   <p:sldSz cx="12192000" cy="6858000"/>
   <p:notesSz cx="6858000" cy="9144000"/>
@@ -530,7 +531,7 @@
           <a:p>
             <a:fld id="{24536002-64DE-4F25-BC3F-C4062668BA78}" type="datetimeFigureOut">
               <a:rPr lang="en-US" smtClean="0"/>
-              <a:t>12/19/21</a:t>
+              <a:t>12/28/21</a:t>
             </a:fld>
             <a:endParaRPr lang="en-US"/>
           </a:p>
@@ -944,7 +945,7 @@
           <a:p>
             <a:fld id="{3E321A48-21CD-4D63-9EA7-6CD8F73AC5FA}" type="datetime1">
               <a:rPr lang="en-US" smtClean="0"/>
-              <a:t>12/19/21</a:t>
+              <a:t>12/28/21</a:t>
             </a:fld>
             <a:endParaRPr lang="en-US"/>
           </a:p>
@@ -1142,7 +1143,7 @@
           <a:p>
             <a:fld id="{2B0E1870-74B9-4C8E-BA11-9F2786A4D219}" type="datetime1">
               <a:rPr lang="en-US" smtClean="0"/>
-              <a:t>12/19/21</a:t>
+              <a:t>12/28/21</a:t>
             </a:fld>
             <a:endParaRPr lang="en-US"/>
           </a:p>
@@ -1350,7 +1351,7 @@
           <a:p>
             <a:fld id="{1D368E51-BDCE-44B5-A1FB-AF3840FB3A33}" type="datetime1">
               <a:rPr lang="en-US" smtClean="0"/>
-              <a:t>12/19/21</a:t>
+              <a:t>12/28/21</a:t>
             </a:fld>
             <a:endParaRPr lang="en-US"/>
           </a:p>
@@ -1548,7 +1549,7 @@
           <a:p>
             <a:fld id="{F78DCE9C-F5A5-40E4-9759-E89AD5F35A88}" type="datetime1">
               <a:rPr lang="en-US" smtClean="0"/>
-              <a:t>12/19/21</a:t>
+              <a:t>12/28/21</a:t>
             </a:fld>
             <a:endParaRPr lang="en-US"/>
           </a:p>
@@ -1823,7 +1824,7 @@
           <a:p>
             <a:fld id="{9C435C06-9DF9-4438-BE99-EEF05A6FE505}" type="datetime1">
               <a:rPr lang="en-US" smtClean="0"/>
-              <a:t>12/19/21</a:t>
+              <a:t>12/28/21</a:t>
             </a:fld>
             <a:endParaRPr lang="en-US"/>
           </a:p>
@@ -2088,7 +2089,7 @@
           <a:p>
             <a:fld id="{73524BA3-5532-4E68-8861-CA92B9A0C672}" type="datetime1">
               <a:rPr lang="en-US" smtClean="0"/>
-              <a:t>12/19/21</a:t>
+              <a:t>12/28/21</a:t>
             </a:fld>
             <a:endParaRPr lang="en-US"/>
           </a:p>
@@ -2500,7 +2501,7 @@
           <a:p>
             <a:fld id="{FEC2EAEC-40E4-4148-A51E-9A1FCD07F1EC}" type="datetime1">
               <a:rPr lang="en-US" smtClean="0"/>
-              <a:t>12/19/21</a:t>
+              <a:t>12/28/21</a:t>
             </a:fld>
             <a:endParaRPr lang="en-US"/>
           </a:p>
@@ -2641,7 +2642,7 @@
           <a:p>
             <a:fld id="{737263FF-EFBD-4DBA-B36D-9E2BD4072FAA}" type="datetime1">
               <a:rPr lang="en-US" smtClean="0"/>
-              <a:t>12/19/21</a:t>
+              <a:t>12/28/21</a:t>
             </a:fld>
             <a:endParaRPr lang="en-US"/>
           </a:p>
@@ -2754,7 +2755,7 @@
           <a:p>
             <a:fld id="{66C141D0-DCB6-4FB2-B249-591D7B846DA8}" type="datetime1">
               <a:rPr lang="en-US" smtClean="0"/>
-              <a:t>12/19/21</a:t>
+              <a:t>12/28/21</a:t>
             </a:fld>
             <a:endParaRPr lang="en-US"/>
           </a:p>
@@ -3065,7 +3066,7 @@
           <a:p>
             <a:fld id="{DB66EA14-0229-4F56-B692-87AED5525B37}" type="datetime1">
               <a:rPr lang="en-US" smtClean="0"/>
-              <a:t>12/19/21</a:t>
+              <a:t>12/28/21</a:t>
             </a:fld>
             <a:endParaRPr lang="en-US"/>
           </a:p>
@@ -3353,7 +3354,7 @@
           <a:p>
             <a:fld id="{E99EBBD1-3740-46EA-897B-3A73624B6135}" type="datetime1">
               <a:rPr lang="en-US" smtClean="0"/>
-              <a:t>12/19/21</a:t>
+              <a:t>12/28/21</a:t>
             </a:fld>
             <a:endParaRPr lang="en-US"/>
           </a:p>
@@ -3594,7 +3595,7 @@
           <a:p>
             <a:fld id="{007BC287-B3D5-41E7-8BF6-A85A14F18987}" type="datetime1">
               <a:rPr lang="en-US" smtClean="0"/>
-              <a:t>12/19/21</a:t>
+              <a:t>12/28/21</a:t>
             </a:fld>
             <a:endParaRPr lang="en-US"/>
           </a:p>
@@ -9335,7 +9336,7 @@
                 <a:latin typeface="Calibri" panose="020F0502020204030204" pitchFamily="34" charset="0"/>
                 <a:cs typeface="Calibri" panose="020F0502020204030204" pitchFamily="34" charset="0"/>
               </a:rPr>
-              <a:t>More Interesting Examples</a:t>
+              <a:t>Multiple Inputs</a:t>
             </a:r>
           </a:p>
         </p:txBody>
@@ -9400,8 +9401,8 @@
         </p:nvSpPr>
         <p:spPr>
           <a:xfrm>
-            <a:off x="685800" y="1181100"/>
-            <a:ext cx="10677525" cy="3416320"/>
+            <a:off x="685800" y="963396"/>
+            <a:ext cx="10677525" cy="5632311"/>
           </a:xfrm>
           <a:prstGeom prst="rect">
             <a:avLst/>
@@ -9414,82 +9415,160 @@
           </a:bodyPr>
           <a:lstStyle/>
           <a:p>
-            <a:pPr lvl="0"/>
             <a:r>
               <a:rPr lang="en-US" dirty="0"/>
-              <a:t>In order to further demonstrate the utility of the </a:t>
+              <a:t>At times, a problem calls for us to evaluate a function over multiple arguments. Functions from </a:t>
             </a:r>
             <a:r>
               <a:rPr lang="en-US" dirty="0">
                 <a:latin typeface="Courier"/>
               </a:rPr>
+              <a:t>purr </a:t>
+            </a:r>
+            <a:r>
+              <a:rPr lang="en-US" dirty="0"/>
+              <a:t>such </a:t>
+            </a:r>
+            <a:r>
+              <a:rPr lang="en-US" dirty="0">
+                <a:latin typeface="Courier" pitchFamily="2" charset="0"/>
+              </a:rPr>
+              <a:t>map2</a:t>
+            </a:r>
+            <a:r>
+              <a:rPr lang="en-US" dirty="0"/>
+              <a:t> and </a:t>
+            </a:r>
+            <a:r>
+              <a:rPr lang="en-US" dirty="0" err="1">
+                <a:latin typeface="Courier" pitchFamily="2" charset="0"/>
+              </a:rPr>
+              <a:t>pmap</a:t>
+            </a:r>
+            <a:r>
+              <a:rPr lang="en-US" dirty="0"/>
+              <a:t> allow us to do this iteratively similarly to what we’ve done using the </a:t>
+            </a:r>
+            <a:r>
+              <a:rPr lang="en-US" dirty="0">
+                <a:latin typeface="Courier" pitchFamily="2" charset="0"/>
+              </a:rPr>
               <a:t>map</a:t>
             </a:r>
             <a:r>
               <a:rPr lang="en-US" dirty="0"/>
-              <a:t> family of functions, we examine the following additional applications:</a:t>
-            </a:r>
-          </a:p>
-          <a:p>
-            <a:pPr lvl="0"/>
+              <a:t> family of functions.  </a:t>
+            </a:r>
+          </a:p>
+          <a:p>
             <a:endParaRPr lang="en-US" dirty="0"/>
           </a:p>
           <a:p>
-            <a:pPr marL="285750" lvl="0" indent="-285750">
+            <a:pPr marL="285750" indent="-285750">
               <a:buFont typeface="Arial" panose="020B0604020202020204" pitchFamily="34" charset="0"/>
               <a:buChar char="•"/>
             </a:pPr>
             <a:r>
               <a:rPr lang="en-US" dirty="0"/>
-              <a:t>Generate a data frame of simulated data.</a:t>
-            </a:r>
-          </a:p>
-          <a:p>
-            <a:pPr marL="285750" lvl="0" indent="-285750">
+              <a:t>As an example, suppose we want to multiply numbers stored in two separate vectors </a:t>
+            </a:r>
+            <a:r>
+              <a:rPr lang="en-US" dirty="0">
+                <a:latin typeface="Courier" pitchFamily="2" charset="0"/>
+              </a:rPr>
+              <a:t>x</a:t>
+            </a:r>
+            <a:r>
+              <a:rPr lang="en-US" dirty="0"/>
+              <a:t> and </a:t>
+            </a:r>
+            <a:r>
+              <a:rPr lang="en-US" dirty="0">
+                <a:latin typeface="Courier" pitchFamily="2" charset="0"/>
+              </a:rPr>
+              <a:t>y</a:t>
+            </a:r>
+            <a:r>
+              <a:rPr lang="en-US" dirty="0"/>
+              <a:t>, then one can run the command: </a:t>
+            </a:r>
+            <a:r>
+              <a:rPr lang="en-US" dirty="0">
+                <a:latin typeface="Courier"/>
+              </a:rPr>
+              <a:t>map2(</a:t>
+            </a:r>
+            <a:r>
+              <a:rPr lang="en-US" dirty="0" err="1">
+                <a:latin typeface="Courier"/>
+              </a:rPr>
+              <a:t>x,y,~.x</a:t>
+            </a:r>
+            <a:r>
+              <a:rPr lang="en-US" dirty="0">
+                <a:latin typeface="Courier"/>
+              </a:rPr>
+              <a:t>*.y)</a:t>
+            </a:r>
+          </a:p>
+          <a:p>
+            <a:endParaRPr lang="en-US" dirty="0">
+              <a:latin typeface="Courier"/>
+            </a:endParaRPr>
+          </a:p>
+          <a:p>
+            <a:pPr marL="285750" indent="-285750">
               <a:buFont typeface="Arial" panose="020B0604020202020204" pitchFamily="34" charset="0"/>
               <a:buChar char="•"/>
             </a:pPr>
+            <a:r>
+              <a:rPr lang="en-US" dirty="0"/>
+              <a:t>To be more concrete, here is R code with corresponding output:</a:t>
+            </a:r>
+          </a:p>
+          <a:p>
             <a:endParaRPr lang="en-US" dirty="0"/>
           </a:p>
           <a:p>
-            <a:pPr marL="285750" lvl="0" indent="-285750">
-              <a:buFont typeface="Arial" panose="020B0604020202020204" pitchFamily="34" charset="0"/>
-              <a:buChar char="•"/>
+            <a:pPr lvl="0" indent="0">
+              <a:buNone/>
             </a:pPr>
             <a:r>
-              <a:rPr lang="en-US" dirty="0"/>
-              <a:t>Standardize multiple columns in a data frame.</a:t>
-            </a:r>
-          </a:p>
-          <a:p>
-            <a:pPr marL="285750" lvl="0" indent="-285750">
-              <a:buFont typeface="Arial" panose="020B0604020202020204" pitchFamily="34" charset="0"/>
-              <a:buChar char="•"/>
+              <a:rPr lang="en-US" dirty="0">
+                <a:latin typeface="Courier"/>
+              </a:rPr>
+              <a:t>x &lt;- c(1,2,3); y &lt;- c(2,4,6)
+map2(</a:t>
+            </a:r>
+            <a:r>
+              <a:rPr lang="en-US" dirty="0" err="1">
+                <a:latin typeface="Courier"/>
+              </a:rPr>
+              <a:t>x,y,~.x</a:t>
+            </a:r>
+            <a:r>
+              <a:rPr lang="en-US" dirty="0">
+                <a:latin typeface="Courier"/>
+              </a:rPr>
+              <a:t>*.y)</a:t>
+            </a:r>
+          </a:p>
+          <a:p>
+            <a:pPr lvl="0" indent="0">
+              <a:buNone/>
             </a:pPr>
-            <a:endParaRPr lang="en-US" dirty="0"/>
-          </a:p>
-          <a:p>
-            <a:pPr marL="285750" lvl="0" indent="-285750">
-              <a:buFont typeface="Arial" panose="020B0604020202020204" pitchFamily="34" charset="0"/>
-              <a:buChar char="•"/>
-            </a:pPr>
-            <a:r>
-              <a:rPr lang="en-US" dirty="0"/>
-              <a:t>Apply a t-test to multiple columns of a data frame.</a:t>
-            </a:r>
-          </a:p>
-          <a:p>
-            <a:pPr marL="285750" lvl="0" indent="-285750">
-              <a:buFont typeface="Arial" panose="020B0604020202020204" pitchFamily="34" charset="0"/>
-              <a:buChar char="•"/>
-            </a:pPr>
-            <a:endParaRPr lang="en-US" dirty="0"/>
-          </a:p>
-          <a:p>
-            <a:pPr lvl="0"/>
-            <a:r>
-              <a:rPr lang="en-US" dirty="0"/>
-              <a:t>In order to make this lesson more interactive, let’s go to an R session and work these examples out together.</a:t>
+            <a:r>
+              <a:rPr lang="en-US" dirty="0">
+                <a:latin typeface="Courier"/>
+              </a:rPr>
+              <a:t>## [[1]]
+## [1] 2
+## 
+## [[2]]
+## [1] 8
+## 
+## [[3]]
+## [1] 18</a:t>
             </a:r>
           </a:p>
           <a:p>
@@ -9503,7 +9582,7 @@
     </p:spTree>
     <p:extLst>
       <p:ext uri="{BB962C8B-B14F-4D97-AF65-F5344CB8AC3E}">
-        <p14:creationId xmlns:p14="http://schemas.microsoft.com/office/powerpoint/2010/main" val="4023334098"/>
+        <p14:creationId xmlns:p14="http://schemas.microsoft.com/office/powerpoint/2010/main" val="3066625072"/>
       </p:ext>
     </p:extLst>
   </p:cSld>
@@ -9718,7 +9797,7 @@
                 <a:latin typeface="Calibri" panose="020F0502020204030204" pitchFamily="34" charset="0"/>
                 <a:cs typeface="Calibri" panose="020F0502020204030204" pitchFamily="34" charset="0"/>
               </a:rPr>
-              <a:t>Summary </a:t>
+              <a:t>More Interesting Examples</a:t>
             </a:r>
           </a:p>
         </p:txBody>
@@ -9784,7 +9863,7 @@
         <p:spPr>
           <a:xfrm>
             <a:off x="685800" y="1181100"/>
-            <a:ext cx="10677525" cy="2862322"/>
+            <a:ext cx="10677525" cy="3416320"/>
           </a:xfrm>
           <a:prstGeom prst="rect">
             <a:avLst/>
@@ -9797,33 +9876,34 @@
           </a:bodyPr>
           <a:lstStyle/>
           <a:p>
+            <a:pPr lvl="0"/>
+            <a:r>
+              <a:rPr lang="en-US" dirty="0"/>
+              <a:t>In order to further demonstrate the utility of the </a:t>
+            </a:r>
+            <a:r>
+              <a:rPr lang="en-US" dirty="0">
+                <a:latin typeface="Courier"/>
+              </a:rPr>
+              <a:t>map</a:t>
+            </a:r>
+            <a:r>
+              <a:rPr lang="en-US" dirty="0"/>
+              <a:t> family of functions, we examine the following additional applications:</a:t>
+            </a:r>
+          </a:p>
+          <a:p>
+            <a:pPr lvl="0"/>
+            <a:endParaRPr lang="en-US" dirty="0"/>
+          </a:p>
+          <a:p>
             <a:pPr marL="285750" lvl="0" indent="-285750">
               <a:buFont typeface="Arial" panose="020B0604020202020204" pitchFamily="34" charset="0"/>
               <a:buChar char="•"/>
             </a:pPr>
             <a:r>
               <a:rPr lang="en-US" dirty="0"/>
-              <a:t>We have introduced and demonstrated iteration in R using the </a:t>
-            </a:r>
-            <a:r>
-              <a:rPr lang="en-US" dirty="0">
-                <a:latin typeface="Courier"/>
-              </a:rPr>
-              <a:t>map</a:t>
-            </a:r>
-            <a:r>
-              <a:rPr lang="en-US" dirty="0"/>
-              <a:t> family of functions from the </a:t>
-            </a:r>
-            <a:r>
-              <a:rPr lang="en-US" dirty="0" err="1">
-                <a:latin typeface="Courier"/>
-              </a:rPr>
-              <a:t>purrr</a:t>
-            </a:r>
-            <a:r>
-              <a:rPr lang="en-US" dirty="0"/>
-              <a:t> package.</a:t>
+              <a:t>Generate a data frame of simulated data.</a:t>
             </a:r>
           </a:p>
           <a:p>
@@ -9840,37 +9920,7 @@
             </a:pPr>
             <a:r>
               <a:rPr lang="en-US" dirty="0"/>
-              <a:t>For more information, see </a:t>
-            </a:r>
-            <a:r>
-              <a:rPr lang="en-US" dirty="0">
-                <a:hlinkClick r:id="rId3"/>
-              </a:rPr>
-              <a:t>R for Data Science</a:t>
-            </a:r>
-            <a:r>
-              <a:rPr lang="en-US" dirty="0"/>
-              <a:t>, </a:t>
-            </a:r>
-            <a:r>
-              <a:rPr lang="en-US" dirty="0">
-                <a:hlinkClick r:id="rId4"/>
-              </a:rPr>
-              <a:t>Advanced R</a:t>
-            </a:r>
-            <a:r>
-              <a:rPr lang="en-US" dirty="0"/>
-              <a:t>, and </a:t>
-            </a:r>
-            <a:r>
-              <a:rPr lang="en-US" dirty="0">
-                <a:hlinkClick r:id="rId5"/>
-              </a:rPr>
-              <a:t>purrr Documentation</a:t>
-            </a:r>
-            <a:r>
-              <a:rPr lang="en-US" dirty="0"/>
-              <a:t>.</a:t>
+              <a:t>Standardize multiple columns in a data frame.</a:t>
             </a:r>
           </a:p>
           <a:p>
@@ -9887,35 +9937,7 @@
             </a:pPr>
             <a:r>
               <a:rPr lang="en-US" dirty="0"/>
-              <a:t>A </a:t>
-            </a:r>
-            <a:r>
-              <a:rPr lang="en-US" dirty="0" err="1">
-                <a:latin typeface="Courier"/>
-              </a:rPr>
-              <a:t>purrr</a:t>
-            </a:r>
-            <a:r>
-              <a:rPr lang="en-US" dirty="0"/>
-              <a:t> </a:t>
-            </a:r>
-            <a:r>
-              <a:rPr lang="en-US" dirty="0" err="1"/>
-              <a:t>cheatsheet</a:t>
-            </a:r>
-            <a:r>
-              <a:rPr lang="en-US" dirty="0"/>
-              <a:t> is available </a:t>
-            </a:r>
-            <a:r>
-              <a:rPr lang="en-US">
-                <a:hlinkClick r:id="rId5"/>
-              </a:rPr>
-              <a:t>here</a:t>
-            </a:r>
-            <a:r>
-              <a:rPr lang="en-US"/>
-              <a:t>.</a:t>
+              <a:t>Apply a t-test to multiple columns of a data frame.</a:t>
             </a:r>
           </a:p>
           <a:p>
@@ -9926,23 +9948,10 @@
             <a:endParaRPr lang="en-US" dirty="0"/>
           </a:p>
           <a:p>
-            <a:pPr marL="285750" lvl="0" indent="-285750">
-              <a:buFont typeface="Arial" panose="020B0604020202020204" pitchFamily="34" charset="0"/>
-              <a:buChar char="•"/>
-            </a:pPr>
+            <a:pPr lvl="0"/>
             <a:r>
               <a:rPr lang="en-US" dirty="0"/>
-              <a:t>The complete code for all examples is available </a:t>
-            </a:r>
-            <a:r>
-              <a:rPr lang="en-US" dirty="0">
-                <a:hlinkClick r:id="rId6"/>
-              </a:rPr>
-              <a:t>here</a:t>
-            </a:r>
-            <a:r>
-              <a:rPr lang="en-US" dirty="0"/>
-              <a:t>.</a:t>
+              <a:t>In order to make this lesson more interactive, let’s go to an R session and work these examples out together.</a:t>
             </a:r>
           </a:p>
           <a:p>
@@ -9956,7 +9965,7 @@
     </p:spTree>
     <p:extLst>
       <p:ext uri="{BB962C8B-B14F-4D97-AF65-F5344CB8AC3E}">
-        <p14:creationId xmlns:p14="http://schemas.microsoft.com/office/powerpoint/2010/main" val="2110042426"/>
+        <p14:creationId xmlns:p14="http://schemas.microsoft.com/office/powerpoint/2010/main" val="4023334098"/>
       </p:ext>
     </p:extLst>
   </p:cSld>
@@ -9969,16 +9978,6 @@
 <file path=ppt/slides/slide16.xml><?xml version="1.0" encoding="utf-8"?>
 <p:sld xmlns:a="http://schemas.openxmlformats.org/drawingml/2006/main" xmlns:r="http://schemas.openxmlformats.org/officeDocument/2006/relationships" xmlns:p="http://schemas.openxmlformats.org/presentationml/2006/main">
   <p:cSld>
-    <p:bg>
-      <p:bgPr>
-        <a:solidFill>
-          <a:srgbClr val="F4F4F4">
-            <a:alpha val="50000"/>
-          </a:srgbClr>
-        </a:solidFill>
-        <a:effectLst/>
-      </p:bgPr>
-    </p:bg>
     <p:spTree>
       <p:nvGrpSpPr>
         <p:cNvPr id="1" name=""/>
@@ -10181,7 +10180,7 @@
                 <a:latin typeface="Calibri" panose="020F0502020204030204" pitchFamily="34" charset="0"/>
                 <a:cs typeface="Calibri" panose="020F0502020204030204" pitchFamily="34" charset="0"/>
               </a:rPr>
-              <a:t>Conclusion</a:t>
+              <a:t>Summary </a:t>
             </a:r>
           </a:p>
         </p:txBody>
@@ -10221,6 +10220,496 @@
                 <a:cs typeface="Calibri" panose="020F0502020204030204" pitchFamily="34" charset="0"/>
               </a:rPr>
               <a:t>16</a:t>
+            </a:fld>
+            <a:endParaRPr lang="en-US" sz="1800" dirty="0">
+              <a:solidFill>
+                <a:srgbClr val="2F2F2F"/>
+              </a:solidFill>
+              <a:latin typeface="Calibri" panose="020F0502020204030204" pitchFamily="34" charset="0"/>
+              <a:cs typeface="Calibri" panose="020F0502020204030204" pitchFamily="34" charset="0"/>
+            </a:endParaRPr>
+          </a:p>
+        </p:txBody>
+      </p:sp>
+      <p:sp>
+        <p:nvSpPr>
+          <p:cNvPr id="12" name="TextBox 11">
+            <a:extLst>
+              <a:ext uri="{FF2B5EF4-FFF2-40B4-BE49-F238E27FC236}">
+                <a16:creationId xmlns:a16="http://schemas.microsoft.com/office/drawing/2014/main" id="{DB4DA48A-292B-4FD3-8FD9-9C6D9E097FC0}"/>
+              </a:ext>
+            </a:extLst>
+          </p:cNvPr>
+          <p:cNvSpPr txBox="1"/>
+          <p:nvPr/>
+        </p:nvSpPr>
+        <p:spPr>
+          <a:xfrm>
+            <a:off x="685800" y="1181100"/>
+            <a:ext cx="10677525" cy="3693319"/>
+          </a:xfrm>
+          <a:prstGeom prst="rect">
+            <a:avLst/>
+          </a:prstGeom>
+          <a:noFill/>
+        </p:spPr>
+        <p:txBody>
+          <a:bodyPr wrap="square" rtlCol="0">
+            <a:spAutoFit/>
+          </a:bodyPr>
+          <a:lstStyle/>
+          <a:p>
+            <a:pPr marL="285750" lvl="0" indent="-285750">
+              <a:buFont typeface="Arial" panose="020B0604020202020204" pitchFamily="34" charset="0"/>
+              <a:buChar char="•"/>
+            </a:pPr>
+            <a:r>
+              <a:rPr lang="en-US" dirty="0"/>
+              <a:t>We have introduced and demonstrated iteration in R using the </a:t>
+            </a:r>
+            <a:r>
+              <a:rPr lang="en-US" dirty="0">
+                <a:latin typeface="Courier"/>
+              </a:rPr>
+              <a:t>map</a:t>
+            </a:r>
+            <a:r>
+              <a:rPr lang="en-US" dirty="0"/>
+              <a:t> family of functions from the </a:t>
+            </a:r>
+            <a:r>
+              <a:rPr lang="en-US" dirty="0" err="1">
+                <a:latin typeface="Courier"/>
+              </a:rPr>
+              <a:t>purrr</a:t>
+            </a:r>
+            <a:r>
+              <a:rPr lang="en-US" dirty="0"/>
+              <a:t> package.</a:t>
+            </a:r>
+          </a:p>
+          <a:p>
+            <a:pPr marL="285750" lvl="0" indent="-285750">
+              <a:buFont typeface="Arial" panose="020B0604020202020204" pitchFamily="34" charset="0"/>
+              <a:buChar char="•"/>
+            </a:pPr>
+            <a:endParaRPr lang="en-US" dirty="0"/>
+          </a:p>
+          <a:p>
+            <a:pPr marL="285750" lvl="0" indent="-285750">
+              <a:buFont typeface="Arial" panose="020B0604020202020204" pitchFamily="34" charset="0"/>
+              <a:buChar char="•"/>
+            </a:pPr>
+            <a:r>
+              <a:rPr lang="en-US" dirty="0"/>
+              <a:t>For more information, see </a:t>
+            </a:r>
+            <a:r>
+              <a:rPr lang="en-US" dirty="0">
+                <a:hlinkClick r:id="rId3"/>
+              </a:rPr>
+              <a:t>R for Data Science</a:t>
+            </a:r>
+            <a:r>
+              <a:rPr lang="en-US" dirty="0"/>
+              <a:t>, </a:t>
+            </a:r>
+            <a:r>
+              <a:rPr lang="en-US" dirty="0">
+                <a:hlinkClick r:id="rId4"/>
+              </a:rPr>
+              <a:t>Advanced R</a:t>
+            </a:r>
+            <a:r>
+              <a:rPr lang="en-US" dirty="0"/>
+              <a:t>, and </a:t>
+            </a:r>
+            <a:r>
+              <a:rPr lang="en-US" dirty="0">
+                <a:hlinkClick r:id="rId5"/>
+              </a:rPr>
+              <a:t>purrr Documentation</a:t>
+            </a:r>
+            <a:r>
+              <a:rPr lang="en-US" dirty="0"/>
+              <a:t>.</a:t>
+            </a:r>
+          </a:p>
+          <a:p>
+            <a:pPr marL="285750" lvl="0" indent="-285750">
+              <a:buFont typeface="Arial" panose="020B0604020202020204" pitchFamily="34" charset="0"/>
+              <a:buChar char="•"/>
+            </a:pPr>
+            <a:endParaRPr lang="en-US" dirty="0"/>
+          </a:p>
+          <a:p>
+            <a:pPr marL="285750" lvl="0" indent="-285750">
+              <a:buFont typeface="Arial" panose="020B0604020202020204" pitchFamily="34" charset="0"/>
+              <a:buChar char="•"/>
+            </a:pPr>
+            <a:r>
+              <a:rPr lang="en-US" dirty="0"/>
+              <a:t>A </a:t>
+            </a:r>
+            <a:r>
+              <a:rPr lang="en-US" dirty="0" err="1">
+                <a:latin typeface="Courier"/>
+              </a:rPr>
+              <a:t>purrr</a:t>
+            </a:r>
+            <a:r>
+              <a:rPr lang="en-US" dirty="0"/>
+              <a:t> </a:t>
+            </a:r>
+            <a:r>
+              <a:rPr lang="en-US" dirty="0" err="1"/>
+              <a:t>cheatsheet</a:t>
+            </a:r>
+            <a:r>
+              <a:rPr lang="en-US" dirty="0"/>
+              <a:t> is available </a:t>
+            </a:r>
+            <a:r>
+              <a:rPr lang="en-US" dirty="0">
+                <a:hlinkClick r:id="rId5"/>
+              </a:rPr>
+              <a:t>here</a:t>
+            </a:r>
+            <a:r>
+              <a:rPr lang="en-US" dirty="0"/>
+              <a:t>.</a:t>
+            </a:r>
+          </a:p>
+          <a:p>
+            <a:pPr marL="285750" lvl="0" indent="-285750">
+              <a:buFont typeface="Arial" panose="020B0604020202020204" pitchFamily="34" charset="0"/>
+              <a:buChar char="•"/>
+            </a:pPr>
+            <a:endParaRPr lang="en-US" dirty="0"/>
+          </a:p>
+          <a:p>
+            <a:pPr marL="285750" lvl="0" indent="-285750">
+              <a:buFont typeface="Arial" panose="020B0604020202020204" pitchFamily="34" charset="0"/>
+              <a:buChar char="•"/>
+            </a:pPr>
+            <a:r>
+              <a:rPr lang="en-US" dirty="0"/>
+              <a:t>The complete code for all examples is available </a:t>
+            </a:r>
+            <a:r>
+              <a:rPr lang="en-US" dirty="0">
+                <a:hlinkClick r:id="rId6"/>
+              </a:rPr>
+              <a:t>here</a:t>
+            </a:r>
+            <a:r>
+              <a:rPr lang="en-US" dirty="0"/>
+              <a:t>.</a:t>
+            </a:r>
+          </a:p>
+          <a:p>
+            <a:pPr marL="285750" lvl="0" indent="-285750">
+              <a:buFont typeface="Arial" panose="020B0604020202020204" pitchFamily="34" charset="0"/>
+              <a:buChar char="•"/>
+            </a:pPr>
+            <a:endParaRPr lang="en-US" dirty="0"/>
+          </a:p>
+          <a:p>
+            <a:pPr marL="285750" lvl="0" indent="-285750">
+              <a:buFont typeface="Arial" panose="020B0604020202020204" pitchFamily="34" charset="0"/>
+              <a:buChar char="•"/>
+            </a:pPr>
+            <a:r>
+              <a:rPr lang="en-US" dirty="0"/>
+              <a:t>It may take some time and practice to develop a good intuition for </a:t>
+            </a:r>
+            <a:r>
+              <a:rPr lang="en-US" dirty="0">
+                <a:latin typeface="Courier"/>
+              </a:rPr>
+              <a:t>purr </a:t>
+            </a:r>
+            <a:r>
+              <a:rPr lang="en-US" dirty="0"/>
+              <a:t>and its applications but once you start to become comfortable with it, you will find it to be a very powerful package.  </a:t>
+            </a:r>
+          </a:p>
+          <a:p>
+            <a:endParaRPr lang="en-US" dirty="0"/>
+          </a:p>
+          <a:p>
+            <a:endParaRPr lang="en-US" dirty="0"/>
+          </a:p>
+        </p:txBody>
+      </p:sp>
+    </p:spTree>
+    <p:extLst>
+      <p:ext uri="{BB962C8B-B14F-4D97-AF65-F5344CB8AC3E}">
+        <p14:creationId xmlns:p14="http://schemas.microsoft.com/office/powerpoint/2010/main" val="2110042426"/>
+      </p:ext>
+    </p:extLst>
+  </p:cSld>
+  <p:clrMapOvr>
+    <a:masterClrMapping/>
+  </p:clrMapOvr>
+</p:sld>
+</file>
+
+<file path=ppt/slides/slide17.xml><?xml version="1.0" encoding="utf-8"?>
+<p:sld xmlns:a="http://schemas.openxmlformats.org/drawingml/2006/main" xmlns:r="http://schemas.openxmlformats.org/officeDocument/2006/relationships" xmlns:p="http://schemas.openxmlformats.org/presentationml/2006/main">
+  <p:cSld>
+    <p:bg>
+      <p:bgPr>
+        <a:solidFill>
+          <a:srgbClr val="F4F4F4">
+            <a:alpha val="50000"/>
+          </a:srgbClr>
+        </a:solidFill>
+        <a:effectLst/>
+      </p:bgPr>
+    </p:bg>
+    <p:spTree>
+      <p:nvGrpSpPr>
+        <p:cNvPr id="1" name=""/>
+        <p:cNvGrpSpPr/>
+        <p:nvPr/>
+      </p:nvGrpSpPr>
+      <p:grpSpPr>
+        <a:xfrm>
+          <a:off x="0" y="0"/>
+          <a:ext cx="0" cy="0"/>
+          <a:chOff x="0" y="0"/>
+          <a:chExt cx="0" cy="0"/>
+        </a:xfrm>
+      </p:grpSpPr>
+      <p:sp>
+        <p:nvSpPr>
+          <p:cNvPr id="4" name="Rectangle 3">
+            <a:extLst>
+              <a:ext uri="{FF2B5EF4-FFF2-40B4-BE49-F238E27FC236}">
+                <a16:creationId xmlns:a16="http://schemas.microsoft.com/office/drawing/2014/main" id="{9D0EBD77-567B-4736-85F9-0FD02F9D6DB5}"/>
+              </a:ext>
+            </a:extLst>
+          </p:cNvPr>
+          <p:cNvSpPr/>
+          <p:nvPr/>
+        </p:nvSpPr>
+        <p:spPr>
+          <a:xfrm>
+            <a:off x="0" y="6143348"/>
+            <a:ext cx="12192000" cy="714652"/>
+          </a:xfrm>
+          <a:prstGeom prst="rect">
+            <a:avLst/>
+          </a:prstGeom>
+          <a:gradFill flip="none" rotWithShape="1">
+            <a:gsLst>
+              <a:gs pos="59000">
+                <a:srgbClr val="D1F1F3">
+                  <a:alpha val="41000"/>
+                </a:srgbClr>
+              </a:gs>
+              <a:gs pos="0">
+                <a:srgbClr val="D1F1F3"/>
+              </a:gs>
+              <a:gs pos="92000">
+                <a:srgbClr val="F4F4F4"/>
+              </a:gs>
+              <a:gs pos="81000">
+                <a:srgbClr val="F4F4F4"/>
+              </a:gs>
+              <a:gs pos="83000">
+                <a:srgbClr val="F4F4F4"/>
+              </a:gs>
+              <a:gs pos="100000">
+                <a:srgbClr val="F4F4F4"/>
+              </a:gs>
+            </a:gsLst>
+            <a:lin ang="0" scaled="1"/>
+            <a:tileRect/>
+          </a:gradFill>
+          <a:ln>
+            <a:noFill/>
+          </a:ln>
+        </p:spPr>
+        <p:style>
+          <a:lnRef idx="2">
+            <a:schemeClr val="accent1">
+              <a:shade val="50000"/>
+            </a:schemeClr>
+          </a:lnRef>
+          <a:fillRef idx="1">
+            <a:schemeClr val="accent1"/>
+          </a:fillRef>
+          <a:effectRef idx="0">
+            <a:schemeClr val="accent1"/>
+          </a:effectRef>
+          <a:fontRef idx="minor">
+            <a:schemeClr val="lt1"/>
+          </a:fontRef>
+        </p:style>
+        <p:txBody>
+          <a:bodyPr rtlCol="0" anchor="ctr"/>
+          <a:lstStyle/>
+          <a:p>
+            <a:pPr algn="ctr"/>
+            <a:endParaRPr lang="en-US"/>
+          </a:p>
+        </p:txBody>
+      </p:sp>
+      <p:pic>
+        <p:nvPicPr>
+          <p:cNvPr id="5" name="Picture 4" descr="Text&#10;&#10;Description automatically generated with medium confidence">
+            <a:extLst>
+              <a:ext uri="{FF2B5EF4-FFF2-40B4-BE49-F238E27FC236}">
+                <a16:creationId xmlns:a16="http://schemas.microsoft.com/office/drawing/2014/main" id="{4D0EC3FF-2B46-4041-A281-3294DC17CEAA}"/>
+              </a:ext>
+            </a:extLst>
+          </p:cNvPr>
+          <p:cNvPicPr>
+            <a:picLocks noChangeAspect="1"/>
+          </p:cNvPicPr>
+          <p:nvPr/>
+        </p:nvPicPr>
+        <p:blipFill>
+          <a:blip r:embed="rId2" cstate="hqprint">
+            <a:extLst>
+              <a:ext uri="{28A0092B-C50C-407E-A947-70E740481C1C}">
+                <a14:useLocalDpi xmlns:a14="http://schemas.microsoft.com/office/drawing/2010/main" val="0"/>
+              </a:ext>
+            </a:extLst>
+          </a:blip>
+          <a:stretch>
+            <a:fillRect/>
+          </a:stretch>
+        </p:blipFill>
+        <p:spPr>
+          <a:xfrm>
+            <a:off x="71670" y="6181633"/>
+            <a:ext cx="1109708" cy="638082"/>
+          </a:xfrm>
+          <a:prstGeom prst="rect">
+            <a:avLst/>
+          </a:prstGeom>
+        </p:spPr>
+      </p:pic>
+      <p:cxnSp>
+        <p:nvCxnSpPr>
+          <p:cNvPr id="7" name="Straight Connector 6">
+            <a:extLst>
+              <a:ext uri="{FF2B5EF4-FFF2-40B4-BE49-F238E27FC236}">
+                <a16:creationId xmlns:a16="http://schemas.microsoft.com/office/drawing/2014/main" id="{27E7E9EC-5FD0-4B1F-849D-E0A37332CA4C}"/>
+              </a:ext>
+            </a:extLst>
+          </p:cNvPr>
+          <p:cNvCxnSpPr/>
+          <p:nvPr/>
+        </p:nvCxnSpPr>
+        <p:spPr>
+          <a:xfrm>
+            <a:off x="733425" y="857250"/>
+            <a:ext cx="10629900" cy="0"/>
+          </a:xfrm>
+          <a:prstGeom prst="line">
+            <a:avLst/>
+          </a:prstGeom>
+          <a:ln>
+            <a:solidFill>
+              <a:srgbClr val="66D4E4"/>
+            </a:solidFill>
+          </a:ln>
+        </p:spPr>
+        <p:style>
+          <a:lnRef idx="1">
+            <a:schemeClr val="accent1"/>
+          </a:lnRef>
+          <a:fillRef idx="0">
+            <a:schemeClr val="accent1"/>
+          </a:fillRef>
+          <a:effectRef idx="0">
+            <a:schemeClr val="accent1"/>
+          </a:effectRef>
+          <a:fontRef idx="minor">
+            <a:schemeClr val="tx1"/>
+          </a:fontRef>
+        </p:style>
+      </p:cxnSp>
+      <p:sp>
+        <p:nvSpPr>
+          <p:cNvPr id="8" name="TextBox 7">
+            <a:extLst>
+              <a:ext uri="{FF2B5EF4-FFF2-40B4-BE49-F238E27FC236}">
+                <a16:creationId xmlns:a16="http://schemas.microsoft.com/office/drawing/2014/main" id="{F6C3A3EE-7C53-4D68-BF2F-B5DCEFC9C8EB}"/>
+              </a:ext>
+            </a:extLst>
+          </p:cNvPr>
+          <p:cNvSpPr txBox="1"/>
+          <p:nvPr/>
+        </p:nvSpPr>
+        <p:spPr>
+          <a:xfrm>
+            <a:off x="685800" y="256990"/>
+            <a:ext cx="5362575" cy="646331"/>
+          </a:xfrm>
+          <a:prstGeom prst="rect">
+            <a:avLst/>
+          </a:prstGeom>
+          <a:noFill/>
+        </p:spPr>
+        <p:txBody>
+          <a:bodyPr wrap="square" rtlCol="0">
+            <a:spAutoFit/>
+          </a:bodyPr>
+          <a:lstStyle/>
+          <a:p>
+            <a:r>
+              <a:rPr lang="en-US" sz="3600" dirty="0">
+                <a:solidFill>
+                  <a:srgbClr val="5C5C5C"/>
+                </a:solidFill>
+                <a:latin typeface="Calibri" panose="020F0502020204030204" pitchFamily="34" charset="0"/>
+                <a:cs typeface="Calibri" panose="020F0502020204030204" pitchFamily="34" charset="0"/>
+              </a:rPr>
+              <a:t>Conclusion</a:t>
+            </a:r>
+          </a:p>
+        </p:txBody>
+      </p:sp>
+      <p:sp>
+        <p:nvSpPr>
+          <p:cNvPr id="11" name="Slide Number Placeholder 10">
+            <a:extLst>
+              <a:ext uri="{FF2B5EF4-FFF2-40B4-BE49-F238E27FC236}">
+                <a16:creationId xmlns:a16="http://schemas.microsoft.com/office/drawing/2014/main" id="{2A1C5A8B-29D7-46EC-B5FA-0A9711CBE26C}"/>
+              </a:ext>
+            </a:extLst>
+          </p:cNvPr>
+          <p:cNvSpPr>
+            <a:spLocks noGrp="1"/>
+          </p:cNvSpPr>
+          <p:nvPr>
+            <p:ph type="sldNum" sz="quarter" idx="12"/>
+          </p:nvPr>
+        </p:nvSpPr>
+        <p:spPr>
+          <a:xfrm>
+            <a:off x="11882670" y="6318112"/>
+            <a:ext cx="309330" cy="365125"/>
+          </a:xfrm>
+        </p:spPr>
+        <p:txBody>
+          <a:bodyPr/>
+          <a:lstStyle/>
+          <a:p>
+            <a:fld id="{36DA6CAC-05BF-4AF1-AB20-42BAD72448F4}" type="slidenum">
+              <a:rPr lang="en-US" sz="1800" smtClean="0">
+                <a:solidFill>
+                  <a:srgbClr val="2F2F2F"/>
+                </a:solidFill>
+                <a:latin typeface="Calibri" panose="020F0502020204030204" pitchFamily="34" charset="0"/>
+                <a:cs typeface="Calibri" panose="020F0502020204030204" pitchFamily="34" charset="0"/>
+              </a:rPr>
+              <a:t>17</a:t>
             </a:fld>
             <a:endParaRPr lang="en-US" sz="1800" dirty="0">
               <a:solidFill>
@@ -10358,7 +10847,7 @@
             <a:fld id="{8FA06278-A50E-4788-BB5C-6A1E66D07509}" type="slidenum">
               <a:rPr lang="en-US" smtClean="0"/>
               <a:pPr/>
-              <a:t>16</a:t>
+              <a:t>17</a:t>
             </a:fld>
             <a:endParaRPr lang="en-US"/>
           </a:p>
@@ -10793,7 +11282,7 @@
 </p:sld>
 </file>
 
-<file path=ppt/slides/slide17.xml><?xml version="1.0" encoding="utf-8"?>
+<file path=ppt/slides/slide18.xml><?xml version="1.0" encoding="utf-8"?>
 <p:sld xmlns:a="http://schemas.openxmlformats.org/drawingml/2006/main" xmlns:r="http://schemas.openxmlformats.org/officeDocument/2006/relationships" xmlns:p="http://schemas.openxmlformats.org/presentationml/2006/main">
   <p:cSld>
     <p:spTree>
@@ -10827,7 +11316,7 @@
           <a:p>
             <a:fld id="{36DA6CAC-05BF-4AF1-AB20-42BAD72448F4}" type="slidenum">
               <a:rPr lang="en-US" smtClean="0"/>
-              <a:t>17</a:t>
+              <a:t>18</a:t>
             </a:fld>
             <a:endParaRPr lang="en-US"/>
           </a:p>
